--- a/Learning Phase/Week 3/Day 4/CSS3/Slides/7. Animations/css3-m7-animations-slides.pptx
+++ b/Learning Phase/Week 3/Day 4/CSS3/Slides/7. Animations/css3-m7-animations-slides.pptx
@@ -5,23 +5,23 @@
     <p:sldMasterId id="2147483648" r:id="rId1"/>
   </p:sldMasterIdLst>
   <p:notesMasterIdLst>
-    <p:notesMasterId r:id="rId17"/>
+    <p:notesMasterId r:id="rId16"/>
   </p:notesMasterIdLst>
   <p:sldIdLst>
-    <p:sldId id="256" r:id="rId3"/>
-    <p:sldId id="257" r:id="rId4"/>
-    <p:sldId id="258" r:id="rId5"/>
-    <p:sldId id="259" r:id="rId6"/>
-    <p:sldId id="260" r:id="rId7"/>
-    <p:sldId id="261" r:id="rId8"/>
-    <p:sldId id="262" r:id="rId9"/>
-    <p:sldId id="263" r:id="rId10"/>
-    <p:sldId id="264" r:id="rId11"/>
-    <p:sldId id="265" r:id="rId12"/>
-    <p:sldId id="266" r:id="rId13"/>
-    <p:sldId id="267" r:id="rId14"/>
-    <p:sldId id="268" r:id="rId15"/>
-    <p:sldId id="269" r:id="rId16"/>
+    <p:sldId id="256" r:id="rId2"/>
+    <p:sldId id="257" r:id="rId3"/>
+    <p:sldId id="258" r:id="rId4"/>
+    <p:sldId id="259" r:id="rId5"/>
+    <p:sldId id="260" r:id="rId6"/>
+    <p:sldId id="261" r:id="rId7"/>
+    <p:sldId id="262" r:id="rId8"/>
+    <p:sldId id="263" r:id="rId9"/>
+    <p:sldId id="264" r:id="rId10"/>
+    <p:sldId id="265" r:id="rId11"/>
+    <p:sldId id="266" r:id="rId12"/>
+    <p:sldId id="267" r:id="rId13"/>
+    <p:sldId id="268" r:id="rId14"/>
+    <p:sldId id="269" r:id="rId15"/>
   </p:sldIdLst>
   <p:sldSz cx="9144000" cy="6858000" type="screen4x3"/>
   <p:notesSz cx="9144000" cy="6858000"/>
@@ -120,6 +120,22 @@
       </a:defRPr>
     </a:lvl9pPr>
   </p:defaultTextStyle>
+  <p:extLst>
+    <p:ext uri="{EFAFB233-063F-42B5-8137-9DF3F51BA10A}">
+      <p15:sldGuideLst xmlns:p15="http://schemas.microsoft.com/office/powerpoint/2012/main">
+        <p15:guide id="1" orient="horz" pos="2880">
+          <p15:clr>
+            <a:srgbClr val="A4A3A4"/>
+          </p15:clr>
+        </p15:guide>
+        <p15:guide id="2" pos="2160">
+          <p15:clr>
+            <a:srgbClr val="A4A3A4"/>
+          </p15:clr>
+        </p15:guide>
+      </p15:sldGuideLst>
+    </p:ext>
+  </p:extLst>
 </p:presentation>
 </file>
 
@@ -205,6 +221,7 @@
           <a:p>
             <a:fld id="{4D862269-E950-4584-BB74-A104F6C64D36}" type="datetimeFigureOut">
               <a:rPr lang="en-US" smtClean="0"/>
+              <a:t>2/5/2024</a:t>
             </a:fld>
             <a:endParaRPr lang="en-US"/>
           </a:p>
@@ -270,42 +287,37 @@
           <a:p>
             <a:pPr lvl="0"/>
             <a:r>
-              <a:rPr lang="en-US" smtClean="0"/>
+              <a:rPr lang="en-US"/>
               <a:t>Click to edit Master text styles</a:t>
             </a:r>
-            <a:endParaRPr lang="en-US" smtClean="0"/>
           </a:p>
           <a:p>
             <a:pPr lvl="1"/>
             <a:r>
-              <a:rPr lang="en-US" smtClean="0"/>
+              <a:rPr lang="en-US"/>
               <a:t>Second level</a:t>
             </a:r>
-            <a:endParaRPr lang="en-US" smtClean="0"/>
           </a:p>
           <a:p>
             <a:pPr lvl="2"/>
             <a:r>
-              <a:rPr lang="en-US" smtClean="0"/>
+              <a:rPr lang="en-US"/>
               <a:t>Third level</a:t>
             </a:r>
-            <a:endParaRPr lang="en-US" smtClean="0"/>
           </a:p>
           <a:p>
             <a:pPr lvl="3"/>
             <a:r>
-              <a:rPr lang="en-US" smtClean="0"/>
+              <a:rPr lang="en-US"/>
               <a:t>Fourth level</a:t>
             </a:r>
-            <a:endParaRPr lang="en-US" smtClean="0"/>
           </a:p>
           <a:p>
             <a:pPr lvl="4"/>
             <a:r>
-              <a:rPr lang="en-US" smtClean="0"/>
+              <a:rPr lang="en-US"/>
               <a:t>Fifth level</a:t>
             </a:r>
-            <a:endParaRPr lang="en-US"/>
           </a:p>
         </p:txBody>
       </p:sp>
@@ -369,6 +381,7 @@
           <a:p>
             <a:fld id="{C4567172-7085-44FA-919B-DB7939A70DFA}" type="slidenum">
               <a:rPr lang="en-US" smtClean="0"/>
+              <a:t>‹#›</a:t>
             </a:fld>
             <a:endParaRPr lang="en-US"/>
           </a:p>
@@ -523,7 +536,9 @@
               </a:defRPr>
             </a:lvl1pPr>
           </a:lstStyle>
-          <a:p/>
+          <a:p>
+            <a:endParaRPr/>
+          </a:p>
         </p:txBody>
       </p:sp>
       <p:sp>
@@ -554,7 +569,9 @@
               <a:defRPr/>
             </a:lvl1pPr>
           </a:lstStyle>
-          <a:p/>
+          <a:p>
+            <a:endParaRPr/>
+          </a:p>
         </p:txBody>
       </p:sp>
       <p:sp>
@@ -581,7 +598,9 @@
               </a:defRPr>
             </a:lvl1pPr>
           </a:lstStyle>
-          <a:p/>
+          <a:p>
+            <a:endParaRPr/>
+          </a:p>
         </p:txBody>
       </p:sp>
       <p:sp>
@@ -611,6 +630,7 @@
           <a:p>
             <a:fld id="{3F7D932C-DF5F-4D07-A18A-0A3195B3F35E}" type="datetime1">
               <a:rPr lang="en-US" smtClean="0"/>
+              <a:t>2/5/2024</a:t>
             </a:fld>
             <a:endParaRPr lang="en-US"/>
           </a:p>
@@ -643,6 +663,7 @@
           <a:p>
             <a:fld id="{B6F15528-21DE-4FAA-801E-634DDDAF4B2B}" type="slidenum">
               <a:rPr/>
+              <a:t>‹#›</a:t>
             </a:fld>
             <a:endParaRPr/>
           </a:p>
@@ -697,7 +718,9 @@
               </a:defRPr>
             </a:lvl1pPr>
           </a:lstStyle>
-          <a:p/>
+          <a:p>
+            <a:endParaRPr/>
+          </a:p>
         </p:txBody>
       </p:sp>
       <p:sp>
@@ -722,7 +745,9 @@
               </a:defRPr>
             </a:lvl1pPr>
           </a:lstStyle>
-          <a:p/>
+          <a:p>
+            <a:endParaRPr/>
+          </a:p>
         </p:txBody>
       </p:sp>
       <p:sp>
@@ -749,7 +774,9 @@
               </a:defRPr>
             </a:lvl1pPr>
           </a:lstStyle>
-          <a:p/>
+          <a:p>
+            <a:endParaRPr/>
+          </a:p>
         </p:txBody>
       </p:sp>
       <p:sp>
@@ -779,6 +806,7 @@
           <a:p>
             <a:fld id="{71942E8F-F44D-4112-A1F7-E643E9DC4064}" type="datetime1">
               <a:rPr lang="en-US" smtClean="0"/>
+              <a:t>2/5/2024</a:t>
             </a:fld>
             <a:endParaRPr lang="en-US"/>
           </a:p>
@@ -811,6 +839,7 @@
           <a:p>
             <a:fld id="{B6F15528-21DE-4FAA-801E-634DDDAF4B2B}" type="slidenum">
               <a:rPr/>
+              <a:t>‹#›</a:t>
             </a:fld>
             <a:endParaRPr/>
           </a:p>
@@ -865,7 +894,9 @@
               </a:defRPr>
             </a:lvl1pPr>
           </a:lstStyle>
-          <a:p/>
+          <a:p>
+            <a:endParaRPr/>
+          </a:p>
         </p:txBody>
       </p:sp>
       <p:sp>
@@ -896,7 +927,9 @@
               <a:defRPr/>
             </a:lvl1pPr>
           </a:lstStyle>
-          <a:p/>
+          <a:p>
+            <a:endParaRPr/>
+          </a:p>
         </p:txBody>
       </p:sp>
       <p:sp>
@@ -927,7 +960,9 @@
               <a:defRPr/>
             </a:lvl1pPr>
           </a:lstStyle>
-          <a:p/>
+          <a:p>
+            <a:endParaRPr/>
+          </a:p>
         </p:txBody>
       </p:sp>
       <p:sp>
@@ -954,7 +989,9 @@
               </a:defRPr>
             </a:lvl1pPr>
           </a:lstStyle>
-          <a:p/>
+          <a:p>
+            <a:endParaRPr/>
+          </a:p>
         </p:txBody>
       </p:sp>
       <p:sp>
@@ -984,6 +1021,7 @@
           <a:p>
             <a:fld id="{B1B9786E-0510-4C6D-9CFE-042BA8CA68D8}" type="datetime1">
               <a:rPr lang="en-US" smtClean="0"/>
+              <a:t>2/5/2024</a:t>
             </a:fld>
             <a:endParaRPr lang="en-US"/>
           </a:p>
@@ -1016,6 +1054,7 @@
           <a:p>
             <a:fld id="{B6F15528-21DE-4FAA-801E-634DDDAF4B2B}" type="slidenum">
               <a:rPr/>
+              <a:t>‹#›</a:t>
             </a:fld>
             <a:endParaRPr/>
           </a:p>
@@ -1070,7 +1109,9 @@
               </a:defRPr>
             </a:lvl1pPr>
           </a:lstStyle>
-          <a:p/>
+          <a:p>
+            <a:endParaRPr/>
+          </a:p>
         </p:txBody>
       </p:sp>
       <p:sp>
@@ -1097,7 +1138,9 @@
               </a:defRPr>
             </a:lvl1pPr>
           </a:lstStyle>
-          <a:p/>
+          <a:p>
+            <a:endParaRPr/>
+          </a:p>
         </p:txBody>
       </p:sp>
       <p:sp>
@@ -1127,6 +1170,7 @@
           <a:p>
             <a:fld id="{79487C93-3BBB-40B3-9D3D-A353BAAA8C3A}" type="datetime1">
               <a:rPr lang="en-US" smtClean="0"/>
+              <a:t>2/5/2024</a:t>
             </a:fld>
             <a:endParaRPr lang="en-US"/>
           </a:p>
@@ -1159,6 +1203,7 @@
           <a:p>
             <a:fld id="{B6F15528-21DE-4FAA-801E-634DDDAF4B2B}" type="slidenum">
               <a:rPr/>
+              <a:t>‹#›</a:t>
             </a:fld>
             <a:endParaRPr/>
           </a:p>
@@ -1213,7 +1258,9 @@
               </a:defRPr>
             </a:lvl1pPr>
           </a:lstStyle>
-          <a:p/>
+          <a:p>
+            <a:endParaRPr/>
+          </a:p>
         </p:txBody>
       </p:sp>
       <p:sp>
@@ -1243,6 +1290,7 @@
           <a:p>
             <a:fld id="{93F865F5-B8C8-4333-AA12-7617C74FADA2}" type="datetime1">
               <a:rPr lang="en-US" smtClean="0"/>
+              <a:t>2/5/2024</a:t>
             </a:fld>
             <a:endParaRPr lang="en-US"/>
           </a:p>
@@ -1275,6 +1323,7 @@
           <a:p>
             <a:fld id="{B6F15528-21DE-4FAA-801E-634DDDAF4B2B}" type="slidenum">
               <a:rPr/>
+              <a:t>‹#›</a:t>
             </a:fld>
             <a:endParaRPr/>
           </a:p>
@@ -1347,7 +1396,9 @@
               </a:defRPr>
             </a:lvl1pPr>
           </a:lstStyle>
-          <a:p/>
+          <a:p>
+            <a:endParaRPr/>
+          </a:p>
         </p:txBody>
       </p:sp>
       <p:sp>
@@ -1382,7 +1433,9 @@
               </a:defRPr>
             </a:lvl1pPr>
           </a:lstStyle>
-          <a:p/>
+          <a:p>
+            <a:endParaRPr/>
+          </a:p>
         </p:txBody>
       </p:sp>
       <p:sp>
@@ -1419,7 +1472,9 @@
               </a:defRPr>
             </a:lvl1pPr>
           </a:lstStyle>
-          <a:p/>
+          <a:p>
+            <a:endParaRPr/>
+          </a:p>
         </p:txBody>
       </p:sp>
       <p:sp>
@@ -1459,6 +1514,7 @@
           <a:p>
             <a:fld id="{28BBBB60-1BF3-4210-822F-F6FCCF97BB72}" type="datetime1">
               <a:rPr lang="en-US" smtClean="0"/>
+              <a:t>2/5/2024</a:t>
             </a:fld>
             <a:endParaRPr lang="en-US"/>
           </a:p>
@@ -1501,6 +1557,7 @@
           <a:p>
             <a:fld id="{B6F15528-21DE-4FAA-801E-634DDDAF4B2B}" type="slidenum">
               <a:rPr/>
+              <a:t>‹#›</a:t>
             </a:fld>
             <a:endParaRPr/>
           </a:p>
@@ -1748,7 +1805,7 @@
           <p:nvPr/>
         </p:nvPicPr>
         <p:blipFill>
-          <a:blip r:embed="rId1"/>
+          <a:blip r:embed="rId2"/>
           <a:srcRect/>
           <a:stretch>
             <a:fillRect/>
@@ -1789,6 +1846,7 @@
           <a:p>
             <a:fld id="{B6F15528-21DE-4FAA-801E-634DDDAF4B2B}" type="slidenum">
               <a:rPr lang="en-US" smtClean="0"/>
+              <a:t>1</a:t>
             </a:fld>
             <a:endParaRPr lang="en-US"/>
           </a:p>
@@ -1852,7 +1910,6 @@
               <a:rPr spc="-5" dirty="0"/>
               <a:t>Transitions</a:t>
             </a:r>
-            <a:endParaRPr spc="-5" dirty="0"/>
           </a:p>
         </p:txBody>
       </p:sp>
@@ -1915,7 +1972,9 @@
           <p:txBody>
             <a:bodyPr wrap="square" lIns="0" tIns="0" rIns="0" bIns="0" rtlCol="0"/>
             <a:lstStyle/>
-            <a:p/>
+            <a:p>
+              <a:endParaRPr/>
+            </a:p>
           </p:txBody>
         </p:sp>
         <p:sp>
@@ -1965,7 +2024,9 @@
           <p:txBody>
             <a:bodyPr wrap="square" lIns="0" tIns="0" rIns="0" bIns="0" rtlCol="0"/>
             <a:lstStyle/>
-            <a:p/>
+            <a:p>
+              <a:endParaRPr/>
+            </a:p>
           </p:txBody>
         </p:sp>
       </p:grpSp>
@@ -1977,7 +2038,7 @@
         </p:nvSpPr>
         <p:spPr>
           <a:xfrm>
-            <a:off x="3680311" y="2335783"/>
+            <a:off x="3407409" y="1934383"/>
             <a:ext cx="1772920" cy="299720"/>
           </a:xfrm>
           <a:prstGeom prst="rect">
@@ -2019,10 +2080,6 @@
               </a:rPr>
               <a:t>2s;</a:t>
             </a:r>
-            <a:endParaRPr sz="1800">
-              <a:latin typeface="Consolas" panose="020B0609020204030204"/>
-              <a:cs typeface="Consolas" panose="020B0609020204030204"/>
-            </a:endParaRPr>
           </a:p>
         </p:txBody>
       </p:sp>
@@ -2143,10 +2200,6 @@
               </a:rPr>
               <a:t>.changeBack:hover { </a:t>
             </a:r>
-            <a:endParaRPr sz="1800" dirty="0">
-              <a:latin typeface="Consolas" panose="020B0609020204030204"/>
-              <a:cs typeface="Consolas" panose="020B0609020204030204"/>
-            </a:endParaRPr>
           </a:p>
           <a:p>
             <a:pPr marL="342265" marR="5080" indent="-342900">
@@ -2219,6 +2272,7 @@
           <a:p>
             <a:fld id="{B6F15528-21DE-4FAA-801E-634DDDAF4B2B}" type="slidenum">
               <a:rPr lang="en-US" smtClean="0"/>
+              <a:t>10</a:t>
             </a:fld>
             <a:endParaRPr lang="en-US"/>
           </a:p>
@@ -2282,7 +2336,6 @@
               <a:rPr spc="-5" dirty="0"/>
               <a:t>Transitions</a:t>
             </a:r>
-            <a:endParaRPr spc="-5" dirty="0"/>
           </a:p>
         </p:txBody>
       </p:sp>
@@ -2345,7 +2398,9 @@
           <p:txBody>
             <a:bodyPr wrap="square" lIns="0" tIns="0" rIns="0" bIns="0" rtlCol="0"/>
             <a:lstStyle/>
-            <a:p/>
+            <a:p>
+              <a:endParaRPr/>
+            </a:p>
           </p:txBody>
         </p:sp>
         <p:sp>
@@ -2395,7 +2450,9 @@
           <p:txBody>
             <a:bodyPr wrap="square" lIns="0" tIns="0" rIns="0" bIns="0" rtlCol="0"/>
             <a:lstStyle/>
-            <a:p/>
+            <a:p>
+              <a:endParaRPr/>
+            </a:p>
           </p:txBody>
         </p:sp>
       </p:grpSp>
@@ -2601,10 +2658,6 @@
               </a:rPr>
               <a:t>background:	#ffff00;  </a:t>
             </a:r>
-            <a:endParaRPr sz="1800" dirty="0">
-              <a:latin typeface="Consolas" panose="020B0609020204030204"/>
-              <a:cs typeface="Consolas" panose="020B0609020204030204"/>
-            </a:endParaRPr>
           </a:p>
           <a:p>
             <a:pPr marL="342265" marR="5080" indent="-342900">
@@ -2698,6 +2751,7 @@
           <a:p>
             <a:fld id="{B6F15528-21DE-4FAA-801E-634DDDAF4B2B}" type="slidenum">
               <a:rPr lang="en-US" smtClean="0"/>
+              <a:t>11</a:t>
             </a:fld>
             <a:endParaRPr lang="en-US"/>
           </a:p>
@@ -2761,7 +2815,6 @@
               <a:rPr spc="-5" dirty="0"/>
               <a:t>Transitions</a:t>
             </a:r>
-            <a:endParaRPr spc="-5" dirty="0"/>
           </a:p>
         </p:txBody>
       </p:sp>
@@ -2824,7 +2877,9 @@
           <p:txBody>
             <a:bodyPr wrap="square" lIns="0" tIns="0" rIns="0" bIns="0" rtlCol="0"/>
             <a:lstStyle/>
-            <a:p/>
+            <a:p>
+              <a:endParaRPr/>
+            </a:p>
           </p:txBody>
         </p:sp>
         <p:sp>
@@ -2874,7 +2929,9 @@
           <p:txBody>
             <a:bodyPr wrap="square" lIns="0" tIns="0" rIns="0" bIns="0" rtlCol="0"/>
             <a:lstStyle/>
-            <a:p/>
+            <a:p>
+              <a:endParaRPr/>
+            </a:p>
           </p:txBody>
         </p:sp>
       </p:grpSp>
@@ -3059,10 +3116,6 @@
               </a:rPr>
               <a:t> </a:t>
             </a:r>
-            <a:endParaRPr sz="1800" spc="5" dirty="0">
-              <a:latin typeface="Consolas" panose="020B0609020204030204"/>
-              <a:cs typeface="Consolas" panose="020B0609020204030204"/>
-            </a:endParaRPr>
           </a:p>
           <a:p>
             <a:pPr marL="342265" marR="5080" indent="-342900">
@@ -3083,10 +3136,6 @@
               </a:rPr>
               <a:t>background:	#ffff00; </a:t>
             </a:r>
-            <a:endParaRPr sz="1800" dirty="0">
-              <a:latin typeface="Consolas" panose="020B0609020204030204"/>
-              <a:cs typeface="Consolas" panose="020B0609020204030204"/>
-            </a:endParaRPr>
           </a:p>
           <a:p>
             <a:pPr marL="342265" marR="5080" indent="-342900">
@@ -3152,6 +3201,7 @@
           <a:p>
             <a:fld id="{B6F15528-21DE-4FAA-801E-634DDDAF4B2B}" type="slidenum">
               <a:rPr lang="en-US" smtClean="0"/>
+              <a:t>12</a:t>
             </a:fld>
             <a:endParaRPr lang="en-US"/>
           </a:p>
@@ -3239,7 +3289,6 @@
               <a:rPr spc="-5" dirty="0"/>
               <a:t>Site</a:t>
             </a:r>
-            <a:endParaRPr spc="-5" dirty="0"/>
           </a:p>
         </p:txBody>
       </p:sp>
@@ -3396,7 +3445,9 @@
         <p:txBody>
           <a:bodyPr wrap="square" lIns="0" tIns="0" rIns="0" bIns="0" rtlCol="0"/>
           <a:lstStyle/>
-          <a:p/>
+          <a:p>
+            <a:endParaRPr/>
+          </a:p>
         </p:txBody>
       </p:sp>
       <p:sp>
@@ -3462,6 +3513,7 @@
           <a:p>
             <a:fld id="{B6F15528-21DE-4FAA-801E-634DDDAF4B2B}" type="slidenum">
               <a:rPr lang="en-US" smtClean="0"/>
+              <a:t>13</a:t>
             </a:fld>
             <a:endParaRPr lang="en-US"/>
           </a:p>
@@ -3529,7 +3581,6 @@
               <a:rPr spc="-5" dirty="0"/>
               <a:t>Summary</a:t>
             </a:r>
-            <a:endParaRPr spc="-5" dirty="0"/>
           </a:p>
         </p:txBody>
       </p:sp>
@@ -3725,6 +3776,7 @@
           <a:p>
             <a:fld id="{B6F15528-21DE-4FAA-801E-634DDDAF4B2B}" type="slidenum">
               <a:rPr lang="en-US" smtClean="0"/>
+              <a:t>14</a:t>
             </a:fld>
             <a:endParaRPr lang="en-US"/>
           </a:p>
@@ -3800,7 +3852,6 @@
               <a:rPr spc="-5" dirty="0"/>
               <a:t>Overview</a:t>
             </a:r>
-            <a:endParaRPr spc="-5" dirty="0"/>
           </a:p>
         </p:txBody>
       </p:sp>
@@ -3924,6 +3975,7 @@
           <a:p>
             <a:fld id="{B6F15528-21DE-4FAA-801E-634DDDAF4B2B}" type="slidenum">
               <a:rPr lang="en-US" smtClean="0"/>
+              <a:t>2</a:t>
             </a:fld>
             <a:endParaRPr lang="en-US"/>
           </a:p>
@@ -4088,6 +4140,7 @@
           <a:p>
             <a:fld id="{B6F15528-21DE-4FAA-801E-634DDDAF4B2B}" type="slidenum">
               <a:rPr lang="en-US" smtClean="0"/>
+              <a:t>3</a:t>
             </a:fld>
             <a:endParaRPr lang="en-US"/>
           </a:p>
@@ -4155,7 +4208,6 @@
               <a:rPr dirty="0"/>
               <a:t>KeyFrames</a:t>
             </a:r>
-            <a:endParaRPr dirty="0"/>
           </a:p>
         </p:txBody>
       </p:sp>
@@ -4559,6 +4611,7 @@
           <a:p>
             <a:fld id="{B6F15528-21DE-4FAA-801E-634DDDAF4B2B}" type="slidenum">
               <a:rPr lang="en-US" smtClean="0"/>
+              <a:t>4</a:t>
             </a:fld>
             <a:endParaRPr lang="en-US"/>
           </a:p>
@@ -4626,7 +4679,6 @@
               <a:rPr dirty="0"/>
               <a:t>KeyFrames</a:t>
             </a:r>
-            <a:endParaRPr dirty="0"/>
           </a:p>
         </p:txBody>
       </p:sp>
@@ -4689,7 +4741,9 @@
           <p:txBody>
             <a:bodyPr wrap="square" lIns="0" tIns="0" rIns="0" bIns="0" rtlCol="0"/>
             <a:lstStyle/>
-            <a:p/>
+            <a:p>
+              <a:endParaRPr/>
+            </a:p>
           </p:txBody>
         </p:sp>
         <p:sp>
@@ -4739,7 +4793,9 @@
           <p:txBody>
             <a:bodyPr wrap="square" lIns="0" tIns="0" rIns="0" bIns="0" rtlCol="0"/>
             <a:lstStyle/>
-            <a:p/>
+            <a:p>
+              <a:endParaRPr/>
+            </a:p>
           </p:txBody>
         </p:sp>
       </p:grpSp>
@@ -4833,9 +4889,27 @@
                 <a:tableStyleId>{2D5ABB26-0587-4C30-8999-92F81FD0307C}</a:tableStyleId>
               </a:tblPr>
               <a:tblGrid>
-                <a:gridCol w="266065"/>
-                <a:gridCol w="674369"/>
-                <a:gridCol w="3110865"/>
+                <a:gridCol w="266065">
+                  <a:extLst>
+                    <a:ext uri="{9D8B030D-6E8A-4147-A177-3AD203B41FA5}">
+                      <a16:colId xmlns:a16="http://schemas.microsoft.com/office/drawing/2014/main" val="20000"/>
+                    </a:ext>
+                  </a:extLst>
+                </a:gridCol>
+                <a:gridCol w="674369">
+                  <a:extLst>
+                    <a:ext uri="{9D8B030D-6E8A-4147-A177-3AD203B41FA5}">
+                      <a16:colId xmlns:a16="http://schemas.microsoft.com/office/drawing/2014/main" val="20001"/>
+                    </a:ext>
+                  </a:extLst>
+                </a:gridCol>
+                <a:gridCol w="3110865">
+                  <a:extLst>
+                    <a:ext uri="{9D8B030D-6E8A-4147-A177-3AD203B41FA5}">
+                      <a16:colId xmlns:a16="http://schemas.microsoft.com/office/drawing/2014/main" val="20002"/>
+                    </a:ext>
+                  </a:extLst>
+                </a:gridCol>
               </a:tblGrid>
               <a:tr h="279400">
                 <a:tc rowSpan="5">
@@ -4946,9 +5020,21 @@
                     </a:solidFill>
                   </a:tcPr>
                 </a:tc>
+                <a:extLst>
+                  <a:ext uri="{0D108BD9-81ED-4DB2-BD59-A6C34878D82A}">
+                    <a16:rowId xmlns:a16="http://schemas.microsoft.com/office/drawing/2014/main" val="10000"/>
+                  </a:ext>
+                </a:extLst>
               </a:tr>
               <a:tr h="330200">
                 <a:tc vMerge="1">
+                  <a:txBody>
+                    <a:bodyPr/>
+                    <a:lstStyle/>
+                    <a:p>
+                      <a:endParaRPr lang="en-US"/>
+                    </a:p>
+                  </a:txBody>
                   <a:tcPr marL="0" marR="0" marT="0" marB="0">
                     <a:solidFill>
                       <a:srgbClr val="F9A326"/>
@@ -5041,9 +5127,21 @@
                     </a:solidFill>
                   </a:tcPr>
                 </a:tc>
+                <a:extLst>
+                  <a:ext uri="{0D108BD9-81ED-4DB2-BD59-A6C34878D82A}">
+                    <a16:rowId xmlns:a16="http://schemas.microsoft.com/office/drawing/2014/main" val="10001"/>
+                  </a:ext>
+                </a:extLst>
               </a:tr>
               <a:tr h="330200">
                 <a:tc vMerge="1">
+                  <a:txBody>
+                    <a:bodyPr/>
+                    <a:lstStyle/>
+                    <a:p>
+                      <a:endParaRPr lang="en-US"/>
+                    </a:p>
+                  </a:txBody>
                   <a:tcPr marL="0" marR="0" marT="0" marB="0">
                     <a:solidFill>
                       <a:srgbClr val="F9A326"/>
@@ -5136,9 +5234,21 @@
                     </a:solidFill>
                   </a:tcPr>
                 </a:tc>
+                <a:extLst>
+                  <a:ext uri="{0D108BD9-81ED-4DB2-BD59-A6C34878D82A}">
+                    <a16:rowId xmlns:a16="http://schemas.microsoft.com/office/drawing/2014/main" val="10002"/>
+                  </a:ext>
+                </a:extLst>
               </a:tr>
               <a:tr h="330200">
                 <a:tc vMerge="1">
+                  <a:txBody>
+                    <a:bodyPr/>
+                    <a:lstStyle/>
+                    <a:p>
+                      <a:endParaRPr lang="en-US"/>
+                    </a:p>
+                  </a:txBody>
                   <a:tcPr marL="0" marR="0" marT="0" marB="0">
                     <a:solidFill>
                       <a:srgbClr val="F9A326"/>
@@ -5231,9 +5341,21 @@
                     </a:solidFill>
                   </a:tcPr>
                 </a:tc>
+                <a:extLst>
+                  <a:ext uri="{0D108BD9-81ED-4DB2-BD59-A6C34878D82A}">
+                    <a16:rowId xmlns:a16="http://schemas.microsoft.com/office/drawing/2014/main" val="10003"/>
+                  </a:ext>
+                </a:extLst>
               </a:tr>
               <a:tr h="330200">
                 <a:tc vMerge="1">
+                  <a:txBody>
+                    <a:bodyPr/>
+                    <a:lstStyle/>
+                    <a:p>
+                      <a:endParaRPr lang="en-US"/>
+                    </a:p>
+                  </a:txBody>
                   <a:tcPr marL="0" marR="0" marT="0" marB="0">
                     <a:solidFill>
                       <a:srgbClr val="F9A326"/>
@@ -5326,6 +5448,11 @@
                     </a:solidFill>
                   </a:tcPr>
                 </a:tc>
+                <a:extLst>
+                  <a:ext uri="{0D108BD9-81ED-4DB2-BD59-A6C34878D82A}">
+                    <a16:rowId xmlns:a16="http://schemas.microsoft.com/office/drawing/2014/main" val="10004"/>
+                  </a:ext>
+                </a:extLst>
               </a:tr>
               <a:tr h="279399">
                 <a:tc>
@@ -5401,6 +5528,11 @@
                     </a:solidFill>
                   </a:tcPr>
                 </a:tc>
+                <a:extLst>
+                  <a:ext uri="{0D108BD9-81ED-4DB2-BD59-A6C34878D82A}">
+                    <a16:rowId xmlns:a16="http://schemas.microsoft.com/office/drawing/2014/main" val="10005"/>
+                  </a:ext>
+                </a:extLst>
               </a:tr>
             </a:tbl>
           </a:graphicData>
@@ -5423,6 +5555,7 @@
           <a:p>
             <a:fld id="{B6F15528-21DE-4FAA-801E-634DDDAF4B2B}" type="slidenum">
               <a:rPr lang="en-US" smtClean="0"/>
+              <a:t>5</a:t>
             </a:fld>
             <a:endParaRPr lang="en-US"/>
           </a:p>
@@ -5506,7 +5639,6 @@
               <a:rPr spc="-5" dirty="0"/>
               <a:t>Animations</a:t>
             </a:r>
-            <a:endParaRPr spc="-5" dirty="0"/>
           </a:p>
         </p:txBody>
       </p:sp>
@@ -5569,7 +5701,9 @@
           <p:txBody>
             <a:bodyPr wrap="square" lIns="0" tIns="0" rIns="0" bIns="0" rtlCol="0"/>
             <a:lstStyle/>
-            <a:p/>
+            <a:p>
+              <a:endParaRPr/>
+            </a:p>
           </p:txBody>
         </p:sp>
         <p:sp>
@@ -5619,7 +5753,9 @@
           <p:txBody>
             <a:bodyPr wrap="square" lIns="0" tIns="0" rIns="0" bIns="0" rtlCol="0"/>
             <a:lstStyle/>
-            <a:p/>
+            <a:p>
+              <a:endParaRPr/>
+            </a:p>
           </p:txBody>
         </p:sp>
       </p:grpSp>
@@ -5713,8 +5849,20 @@
                 <a:tableStyleId>{2D5ABB26-0587-4C30-8999-92F81FD0307C}</a:tableStyleId>
               </a:tblPr>
               <a:tblGrid>
-                <a:gridCol w="597535"/>
-                <a:gridCol w="3110865"/>
+                <a:gridCol w="597535">
+                  <a:extLst>
+                    <a:ext uri="{9D8B030D-6E8A-4147-A177-3AD203B41FA5}">
+                      <a16:colId xmlns:a16="http://schemas.microsoft.com/office/drawing/2014/main" val="20000"/>
+                    </a:ext>
+                  </a:extLst>
+                </a:gridCol>
+                <a:gridCol w="3110865">
+                  <a:extLst>
+                    <a:ext uri="{9D8B030D-6E8A-4147-A177-3AD203B41FA5}">
+                      <a16:colId xmlns:a16="http://schemas.microsoft.com/office/drawing/2014/main" val="20001"/>
+                    </a:ext>
+                  </a:extLst>
+                </a:gridCol>
               </a:tblGrid>
               <a:tr h="279400">
                 <a:tc>
@@ -5803,6 +5951,11 @@
                     </a:solidFill>
                   </a:tcPr>
                 </a:tc>
+                <a:extLst>
+                  <a:ext uri="{0D108BD9-81ED-4DB2-BD59-A6C34878D82A}">
+                    <a16:rowId xmlns:a16="http://schemas.microsoft.com/office/drawing/2014/main" val="10000"/>
+                  </a:ext>
+                </a:extLst>
               </a:tr>
               <a:tr h="330200">
                 <a:tc>
@@ -5891,6 +6044,11 @@
                     </a:solidFill>
                   </a:tcPr>
                 </a:tc>
+                <a:extLst>
+                  <a:ext uri="{0D108BD9-81ED-4DB2-BD59-A6C34878D82A}">
+                    <a16:rowId xmlns:a16="http://schemas.microsoft.com/office/drawing/2014/main" val="10001"/>
+                  </a:ext>
+                </a:extLst>
               </a:tr>
               <a:tr h="330200">
                 <a:tc>
@@ -5979,6 +6137,11 @@
                     </a:solidFill>
                   </a:tcPr>
                 </a:tc>
+                <a:extLst>
+                  <a:ext uri="{0D108BD9-81ED-4DB2-BD59-A6C34878D82A}">
+                    <a16:rowId xmlns:a16="http://schemas.microsoft.com/office/drawing/2014/main" val="10002"/>
+                  </a:ext>
+                </a:extLst>
               </a:tr>
               <a:tr h="330200">
                 <a:tc>
@@ -6067,6 +6230,11 @@
                     </a:solidFill>
                   </a:tcPr>
                 </a:tc>
+                <a:extLst>
+                  <a:ext uri="{0D108BD9-81ED-4DB2-BD59-A6C34878D82A}">
+                    <a16:rowId xmlns:a16="http://schemas.microsoft.com/office/drawing/2014/main" val="10003"/>
+                  </a:ext>
+                </a:extLst>
               </a:tr>
               <a:tr h="279400">
                 <a:tc>
@@ -6155,6 +6323,11 @@
                     </a:solidFill>
                   </a:tcPr>
                 </a:tc>
+                <a:extLst>
+                  <a:ext uri="{0D108BD9-81ED-4DB2-BD59-A6C34878D82A}">
+                    <a16:rowId xmlns:a16="http://schemas.microsoft.com/office/drawing/2014/main" val="10004"/>
+                  </a:ext>
+                </a:extLst>
               </a:tr>
             </a:tbl>
           </a:graphicData>
@@ -6304,6 +6477,7 @@
           <a:p>
             <a:fld id="{B6F15528-21DE-4FAA-801E-634DDDAF4B2B}" type="slidenum">
               <a:rPr lang="en-US" smtClean="0"/>
+              <a:t>6</a:t>
             </a:fld>
             <a:endParaRPr lang="en-US"/>
           </a:p>
@@ -6387,7 +6561,6 @@
               <a:rPr spc="-5" dirty="0"/>
               <a:t>Animations</a:t>
             </a:r>
-            <a:endParaRPr spc="-5" dirty="0"/>
           </a:p>
         </p:txBody>
       </p:sp>
@@ -6450,7 +6623,9 @@
           <p:txBody>
             <a:bodyPr wrap="square" lIns="0" tIns="0" rIns="0" bIns="0" rtlCol="0"/>
             <a:lstStyle/>
-            <a:p/>
+            <a:p>
+              <a:endParaRPr/>
+            </a:p>
           </p:txBody>
         </p:sp>
         <p:sp>
@@ -6500,7 +6675,9 @@
           <p:txBody>
             <a:bodyPr wrap="square" lIns="0" tIns="0" rIns="0" bIns="0" rtlCol="0"/>
             <a:lstStyle/>
-            <a:p/>
+            <a:p>
+              <a:endParaRPr/>
+            </a:p>
           </p:txBody>
         </p:sp>
       </p:grpSp>
@@ -6594,8 +6771,20 @@
                 <a:tableStyleId>{2D5ABB26-0587-4C30-8999-92F81FD0307C}</a:tableStyleId>
               </a:tblPr>
               <a:tblGrid>
-                <a:gridCol w="597535"/>
-                <a:gridCol w="3110865"/>
+                <a:gridCol w="597535">
+                  <a:extLst>
+                    <a:ext uri="{9D8B030D-6E8A-4147-A177-3AD203B41FA5}">
+                      <a16:colId xmlns:a16="http://schemas.microsoft.com/office/drawing/2014/main" val="20000"/>
+                    </a:ext>
+                  </a:extLst>
+                </a:gridCol>
+                <a:gridCol w="3110865">
+                  <a:extLst>
+                    <a:ext uri="{9D8B030D-6E8A-4147-A177-3AD203B41FA5}">
+                      <a16:colId xmlns:a16="http://schemas.microsoft.com/office/drawing/2014/main" val="20001"/>
+                    </a:ext>
+                  </a:extLst>
+                </a:gridCol>
               </a:tblGrid>
               <a:tr h="279400">
                 <a:tc>
@@ -6684,6 +6873,11 @@
                     </a:solidFill>
                   </a:tcPr>
                 </a:tc>
+                <a:extLst>
+                  <a:ext uri="{0D108BD9-81ED-4DB2-BD59-A6C34878D82A}">
+                    <a16:rowId xmlns:a16="http://schemas.microsoft.com/office/drawing/2014/main" val="10000"/>
+                  </a:ext>
+                </a:extLst>
               </a:tr>
               <a:tr h="330200">
                 <a:tc>
@@ -6772,6 +6966,11 @@
                     </a:solidFill>
                   </a:tcPr>
                 </a:tc>
+                <a:extLst>
+                  <a:ext uri="{0D108BD9-81ED-4DB2-BD59-A6C34878D82A}">
+                    <a16:rowId xmlns:a16="http://schemas.microsoft.com/office/drawing/2014/main" val="10001"/>
+                  </a:ext>
+                </a:extLst>
               </a:tr>
               <a:tr h="330200">
                 <a:tc>
@@ -6860,6 +7059,11 @@
                     </a:solidFill>
                   </a:tcPr>
                 </a:tc>
+                <a:extLst>
+                  <a:ext uri="{0D108BD9-81ED-4DB2-BD59-A6C34878D82A}">
+                    <a16:rowId xmlns:a16="http://schemas.microsoft.com/office/drawing/2014/main" val="10002"/>
+                  </a:ext>
+                </a:extLst>
               </a:tr>
               <a:tr h="330200">
                 <a:tc>
@@ -6948,6 +7152,11 @@
                     </a:solidFill>
                   </a:tcPr>
                 </a:tc>
+                <a:extLst>
+                  <a:ext uri="{0D108BD9-81ED-4DB2-BD59-A6C34878D82A}">
+                    <a16:rowId xmlns:a16="http://schemas.microsoft.com/office/drawing/2014/main" val="10003"/>
+                  </a:ext>
+                </a:extLst>
               </a:tr>
               <a:tr h="279400">
                 <a:tc>
@@ -7036,6 +7245,11 @@
                     </a:solidFill>
                   </a:tcPr>
                 </a:tc>
+                <a:extLst>
+                  <a:ext uri="{0D108BD9-81ED-4DB2-BD59-A6C34878D82A}">
+                    <a16:rowId xmlns:a16="http://schemas.microsoft.com/office/drawing/2014/main" val="10004"/>
+                  </a:ext>
+                </a:extLst>
               </a:tr>
             </a:tbl>
           </a:graphicData>
@@ -7223,6 +7437,7 @@
           <a:p>
             <a:fld id="{B6F15528-21DE-4FAA-801E-634DDDAF4B2B}" type="slidenum">
               <a:rPr lang="en-US" smtClean="0"/>
+              <a:t>7</a:t>
             </a:fld>
             <a:endParaRPr lang="en-US"/>
           </a:p>
@@ -7310,7 +7525,6 @@
               <a:rPr spc="-5" dirty="0"/>
               <a:t>Site</a:t>
             </a:r>
-            <a:endParaRPr spc="-5" dirty="0"/>
           </a:p>
         </p:txBody>
       </p:sp>
@@ -7467,7 +7681,9 @@
         <p:txBody>
           <a:bodyPr wrap="square" lIns="0" tIns="0" rIns="0" bIns="0" rtlCol="0"/>
           <a:lstStyle/>
-          <a:p/>
+          <a:p>
+            <a:endParaRPr/>
+          </a:p>
         </p:txBody>
       </p:sp>
       <p:sp>
@@ -7533,6 +7749,7 @@
           <a:p>
             <a:fld id="{B6F15528-21DE-4FAA-801E-634DDDAF4B2B}" type="slidenum">
               <a:rPr lang="en-US" smtClean="0"/>
+              <a:t>8</a:t>
             </a:fld>
             <a:endParaRPr lang="en-US"/>
           </a:p>
@@ -7669,6 +7886,7 @@
           <a:p>
             <a:fld id="{B6F15528-21DE-4FAA-801E-634DDDAF4B2B}" type="slidenum">
               <a:rPr lang="en-US" smtClean="0"/>
+              <a:t>9</a:t>
             </a:fld>
             <a:endParaRPr lang="en-US"/>
           </a:p>
@@ -7960,6 +8178,8 @@
       </a:bgFillStyleLst>
     </a:fmtScheme>
   </a:themeElements>
+  <a:objectDefaults/>
+  <a:extraClrSchemeLst/>
   <a:extLst>
     <a:ext uri="{05A4C25C-085E-4340-85A3-A5531E510DB2}">
       <thm15:themeFamily xmlns:thm15="http://schemas.microsoft.com/office/thememl/2012/main" name="Office Theme" id="{62F939B6-93AF-4DB8-9C6B-D6C7DFDC589F}" vid="{4A3C46E8-61CC-4603-A589-7422A47A8E4A}"/>
@@ -8246,6 +8466,8 @@
       </a:bgFillStyleLst>
     </a:fmtScheme>
   </a:themeElements>
+  <a:objectDefaults/>
+  <a:extraClrSchemeLst/>
   <a:extLst>
     <a:ext uri="{05A4C25C-085E-4340-85A3-A5531E510DB2}">
       <thm15:themeFamily xmlns:thm15="http://schemas.microsoft.com/office/thememl/2012/main" name="Office Theme" id="{62F939B6-93AF-4DB8-9C6B-D6C7DFDC589F}" vid="{4A3C46E8-61CC-4603-A589-7422A47A8E4A}"/>
